--- a/Stealth_Software_Design_Competition.pptx
+++ b/Stealth_Software_Design_Competition.pptx
@@ -6,6 +6,7 @@
   </p:sldMasterIdLst>
   <p:sldIdLst>
     <p:sldId id="256" r:id="rId2"/>
+    <p:sldId id="257" r:id="rId3"/>
   </p:sldIdLst>
   <p:sldSz cx="12192000" cy="6858000"/>
   <p:notesSz cx="6858000" cy="9144000"/>
@@ -259,7 +260,7 @@
           <a:p>
             <a:fld id="{EC2EA71C-D16C-4333-952F-95D8EE0C5266}" type="datetimeFigureOut">
               <a:rPr lang="en-US" smtClean="0"/>
-              <a:t>2/21/2024</a:t>
+              <a:t>2/22/2024</a:t>
             </a:fld>
             <a:endParaRPr lang="en-US"/>
           </a:p>
@@ -457,7 +458,7 @@
           <a:p>
             <a:fld id="{EC2EA71C-D16C-4333-952F-95D8EE0C5266}" type="datetimeFigureOut">
               <a:rPr lang="en-US" smtClean="0"/>
-              <a:t>2/21/2024</a:t>
+              <a:t>2/22/2024</a:t>
             </a:fld>
             <a:endParaRPr lang="en-US"/>
           </a:p>
@@ -665,7 +666,7 @@
           <a:p>
             <a:fld id="{EC2EA71C-D16C-4333-952F-95D8EE0C5266}" type="datetimeFigureOut">
               <a:rPr lang="en-US" smtClean="0"/>
-              <a:t>2/21/2024</a:t>
+              <a:t>2/22/2024</a:t>
             </a:fld>
             <a:endParaRPr lang="en-US"/>
           </a:p>
@@ -863,7 +864,7 @@
           <a:p>
             <a:fld id="{EC2EA71C-D16C-4333-952F-95D8EE0C5266}" type="datetimeFigureOut">
               <a:rPr lang="en-US" smtClean="0"/>
-              <a:t>2/21/2024</a:t>
+              <a:t>2/22/2024</a:t>
             </a:fld>
             <a:endParaRPr lang="en-US"/>
           </a:p>
@@ -1138,7 +1139,7 @@
           <a:p>
             <a:fld id="{EC2EA71C-D16C-4333-952F-95D8EE0C5266}" type="datetimeFigureOut">
               <a:rPr lang="en-US" smtClean="0"/>
-              <a:t>2/21/2024</a:t>
+              <a:t>2/22/2024</a:t>
             </a:fld>
             <a:endParaRPr lang="en-US"/>
           </a:p>
@@ -1403,7 +1404,7 @@
           <a:p>
             <a:fld id="{EC2EA71C-D16C-4333-952F-95D8EE0C5266}" type="datetimeFigureOut">
               <a:rPr lang="en-US" smtClean="0"/>
-              <a:t>2/21/2024</a:t>
+              <a:t>2/22/2024</a:t>
             </a:fld>
             <a:endParaRPr lang="en-US"/>
           </a:p>
@@ -1815,7 +1816,7 @@
           <a:p>
             <a:fld id="{EC2EA71C-D16C-4333-952F-95D8EE0C5266}" type="datetimeFigureOut">
               <a:rPr lang="en-US" smtClean="0"/>
-              <a:t>2/21/2024</a:t>
+              <a:t>2/22/2024</a:t>
             </a:fld>
             <a:endParaRPr lang="en-US"/>
           </a:p>
@@ -1956,7 +1957,7 @@
           <a:p>
             <a:fld id="{EC2EA71C-D16C-4333-952F-95D8EE0C5266}" type="datetimeFigureOut">
               <a:rPr lang="en-US" smtClean="0"/>
-              <a:t>2/21/2024</a:t>
+              <a:t>2/22/2024</a:t>
             </a:fld>
             <a:endParaRPr lang="en-US"/>
           </a:p>
@@ -2069,7 +2070,7 @@
           <a:p>
             <a:fld id="{EC2EA71C-D16C-4333-952F-95D8EE0C5266}" type="datetimeFigureOut">
               <a:rPr lang="en-US" smtClean="0"/>
-              <a:t>2/21/2024</a:t>
+              <a:t>2/22/2024</a:t>
             </a:fld>
             <a:endParaRPr lang="en-US"/>
           </a:p>
@@ -2380,7 +2381,7 @@
           <a:p>
             <a:fld id="{EC2EA71C-D16C-4333-952F-95D8EE0C5266}" type="datetimeFigureOut">
               <a:rPr lang="en-US" smtClean="0"/>
-              <a:t>2/21/2024</a:t>
+              <a:t>2/22/2024</a:t>
             </a:fld>
             <a:endParaRPr lang="en-US"/>
           </a:p>
@@ -2668,7 +2669,7 @@
           <a:p>
             <a:fld id="{EC2EA71C-D16C-4333-952F-95D8EE0C5266}" type="datetimeFigureOut">
               <a:rPr lang="en-US" smtClean="0"/>
-              <a:t>2/21/2024</a:t>
+              <a:t>2/22/2024</a:t>
             </a:fld>
             <a:endParaRPr lang="en-US"/>
           </a:p>
@@ -2909,7 +2910,7 @@
           <a:p>
             <a:fld id="{EC2EA71C-D16C-4333-952F-95D8EE0C5266}" type="datetimeFigureOut">
               <a:rPr lang="en-US" smtClean="0"/>
-              <a:t>2/21/2024</a:t>
+              <a:t>2/22/2024</a:t>
             </a:fld>
             <a:endParaRPr lang="en-US"/>
           </a:p>
@@ -3344,8 +3345,8 @@
         </p:nvSpPr>
         <p:spPr>
           <a:xfrm>
-            <a:off x="738326" y="902778"/>
-            <a:ext cx="10715348" cy="1079603"/>
+            <a:off x="903297" y="577051"/>
+            <a:ext cx="10385395" cy="979204"/>
           </a:xfrm>
         </p:spPr>
         <p:txBody>
@@ -3388,8 +3389,43 @@
         </p:blipFill>
         <p:spPr>
           <a:xfrm>
-            <a:off x="2732189" y="2642360"/>
-            <a:ext cx="6727622" cy="2483528"/>
+            <a:off x="4399648" y="5343818"/>
+            <a:ext cx="3392691" cy="1252425"/>
+          </a:xfrm>
+          <a:prstGeom prst="rect">
+            <a:avLst/>
+          </a:prstGeom>
+        </p:spPr>
+      </p:pic>
+      <p:pic>
+        <p:nvPicPr>
+          <p:cNvPr id="4" name="Picture 3" descr="A cow eating grass in a circle with text&#10;&#10;Description automatically generated">
+            <a:extLst>
+              <a:ext uri="{FF2B5EF4-FFF2-40B4-BE49-F238E27FC236}">
+                <a16:creationId xmlns:a16="http://schemas.microsoft.com/office/drawing/2014/main" id="{68F27E2C-087C-78AE-2DCF-45E3A81B9D52}"/>
+              </a:ext>
+            </a:extLst>
+          </p:cNvPr>
+          <p:cNvPicPr>
+            <a:picLocks noChangeAspect="1"/>
+          </p:cNvPicPr>
+          <p:nvPr/>
+        </p:nvPicPr>
+        <p:blipFill rotWithShape="1">
+          <a:blip r:embed="rId3">
+            <a:extLst>
+              <a:ext uri="{28A0092B-C50C-407E-A947-70E740481C1C}">
+                <a14:useLocalDpi xmlns:a14="http://schemas.microsoft.com/office/drawing/2010/main" val="0"/>
+              </a:ext>
+            </a:extLst>
+          </a:blip>
+          <a:srcRect l="19688" t="8391" r="16249" b="28600"/>
+          <a:stretch/>
+        </p:blipFill>
+        <p:spPr>
+          <a:xfrm>
+            <a:off x="3701605" y="2105024"/>
+            <a:ext cx="4788789" cy="2647951"/>
           </a:xfrm>
           <a:prstGeom prst="rect">
             <a:avLst/>
@@ -3400,6 +3436,86 @@
     <p:extLst>
       <p:ext uri="{BB962C8B-B14F-4D97-AF65-F5344CB8AC3E}">
         <p14:creationId xmlns:p14="http://schemas.microsoft.com/office/powerpoint/2010/main" val="969333969"/>
+      </p:ext>
+    </p:extLst>
+  </p:cSld>
+  <p:clrMapOvr>
+    <a:masterClrMapping/>
+  </p:clrMapOvr>
+</p:sld>
+</file>
+
+<file path=ppt/slides/slide2.xml><?xml version="1.0" encoding="utf-8"?>
+<p:sld xmlns:a="http://schemas.openxmlformats.org/drawingml/2006/main" xmlns:r="http://schemas.openxmlformats.org/officeDocument/2006/relationships" xmlns:p="http://schemas.openxmlformats.org/presentationml/2006/main">
+  <p:cSld>
+    <p:spTree>
+      <p:nvGrpSpPr>
+        <p:cNvPr id="1" name=""/>
+        <p:cNvGrpSpPr/>
+        <p:nvPr/>
+      </p:nvGrpSpPr>
+      <p:grpSpPr>
+        <a:xfrm>
+          <a:off x="0" y="0"/>
+          <a:ext cx="0" cy="0"/>
+          <a:chOff x="0" y="0"/>
+          <a:chExt cx="0" cy="0"/>
+        </a:xfrm>
+      </p:grpSpPr>
+      <p:sp>
+        <p:nvSpPr>
+          <p:cNvPr id="2" name="Title 1">
+            <a:extLst>
+              <a:ext uri="{FF2B5EF4-FFF2-40B4-BE49-F238E27FC236}">
+                <a16:creationId xmlns:a16="http://schemas.microsoft.com/office/drawing/2014/main" id="{172723B5-6E9D-9FD2-90D4-6074C2D242FB}"/>
+              </a:ext>
+            </a:extLst>
+          </p:cNvPr>
+          <p:cNvSpPr>
+            <a:spLocks noGrp="1"/>
+          </p:cNvSpPr>
+          <p:nvPr>
+            <p:ph type="title"/>
+          </p:nvPr>
+        </p:nvSpPr>
+        <p:spPr/>
+        <p:txBody>
+          <a:bodyPr/>
+          <a:lstStyle/>
+          <a:p>
+            <a:endParaRPr lang="en-US"/>
+          </a:p>
+        </p:txBody>
+      </p:sp>
+      <p:sp>
+        <p:nvSpPr>
+          <p:cNvPr id="3" name="Content Placeholder 2">
+            <a:extLst>
+              <a:ext uri="{FF2B5EF4-FFF2-40B4-BE49-F238E27FC236}">
+                <a16:creationId xmlns:a16="http://schemas.microsoft.com/office/drawing/2014/main" id="{FDCFC52E-BC55-D13E-5BDF-965C412E7F52}"/>
+              </a:ext>
+            </a:extLst>
+          </p:cNvPr>
+          <p:cNvSpPr>
+            <a:spLocks noGrp="1"/>
+          </p:cNvSpPr>
+          <p:nvPr>
+            <p:ph idx="1"/>
+          </p:nvPr>
+        </p:nvSpPr>
+        <p:spPr/>
+        <p:txBody>
+          <a:bodyPr/>
+          <a:lstStyle/>
+          <a:p>
+            <a:endParaRPr lang="en-US"/>
+          </a:p>
+        </p:txBody>
+      </p:sp>
+    </p:spTree>
+    <p:extLst>
+      <p:ext uri="{BB962C8B-B14F-4D97-AF65-F5344CB8AC3E}">
+        <p14:creationId xmlns:p14="http://schemas.microsoft.com/office/powerpoint/2010/main" val="1985453737"/>
       </p:ext>
     </p:extLst>
   </p:cSld>
